--- a/CEIS150 Project Template Module Deliverable Week 7 GUI.pptx
+++ b/CEIS150 Project Template Module Deliverable Week 7 GUI.pptx
@@ -7547,10 +7547,10 @@
       </p:grpSpPr>
       <p:sp useBgFill="1">
         <p:nvSpPr>
-          <p:cNvPr id="29" name="Rectangle 28">
+          <p:cNvPr id="38" name="Rectangle 37">
             <a:extLst>
               <a:ext uri="{FF2B5EF4-FFF2-40B4-BE49-F238E27FC236}">
-                <a16:creationId xmlns:a16="http://schemas.microsoft.com/office/drawing/2014/main" id="{53E60C6D-4E85-4E14-BCDF-BF15C241F7CA}"/>
+                <a16:creationId xmlns:a16="http://schemas.microsoft.com/office/drawing/2014/main" id="{8761DDFE-071F-4200-B0AA-394476C2D2D6}"/>
               </a:ext>
               <a:ext uri="{C183D7F6-B498-43B3-948B-1728B52AA6E4}">
                 <adec:decorative xmlns:adec="http://schemas.microsoft.com/office/drawing/2017/decorative" val="1"/>
@@ -7570,7 +7570,7 @@
         </p:nvSpPr>
         <p:spPr>
           <a:xfrm>
-            <a:off x="0" y="0"/>
+            <a:off x="-1" y="0"/>
             <a:ext cx="12188952" cy="6858000"/>
           </a:xfrm>
           <a:prstGeom prst="rect">
@@ -7623,8 +7623,8 @@
         </p:nvSpPr>
         <p:spPr>
           <a:xfrm>
-            <a:off x="6151294" y="486184"/>
-            <a:ext cx="5397237" cy="1325563"/>
+            <a:off x="838198" y="547815"/>
+            <a:ext cx="5167185" cy="1680519"/>
           </a:xfrm>
         </p:spPr>
         <p:txBody>
@@ -7634,18 +7634,71 @@
           <a:lstStyle/>
           <a:p>
             <a:r>
-              <a:rPr lang="en-US" sz="4400"/>
+              <a:rPr lang="en-US" sz="4000"/>
               <a:t>Stocks in GUI</a:t>
             </a:r>
+          </a:p>
+        </p:txBody>
+      </p:sp>
+      <p:sp>
+        <p:nvSpPr>
+          <p:cNvPr id="7" name="Text Placeholder 6">
+            <a:extLst>
+              <a:ext uri="{FF2B5EF4-FFF2-40B4-BE49-F238E27FC236}">
+                <a16:creationId xmlns:a16="http://schemas.microsoft.com/office/drawing/2014/main" id="{FADDAB32-E602-42AB-85E5-81A683738955}"/>
+              </a:ext>
+            </a:extLst>
+          </p:cNvPr>
+          <p:cNvSpPr>
+            <a:spLocks noGrp="1"/>
+          </p:cNvSpPr>
+          <p:nvPr>
+            <p:ph type="body" sz="half" idx="2"/>
+          </p:nvPr>
+        </p:nvSpPr>
+        <p:spPr>
+          <a:xfrm>
+            <a:off x="6186619" y="547815"/>
+            <a:ext cx="5178960" cy="1680519"/>
+          </a:xfrm>
+        </p:spPr>
+        <p:txBody>
+          <a:bodyPr vert="horz" lIns="91440" tIns="45720" rIns="91440" bIns="45720" rtlCol="0" anchor="ctr">
+            <a:normAutofit/>
+          </a:bodyPr>
+          <a:lstStyle/>
+          <a:p>
+            <a:pPr indent="-228600">
+              <a:buFont typeface="Arial" panose="020B0604020202020204" pitchFamily="34" charset="0"/>
+              <a:buChar char="•"/>
+            </a:pPr>
+            <a:r>
+              <a:rPr lang="en-US" sz="2000"/>
+              <a:t>Paste a screen shot of your GUI working</a:t>
+            </a:r>
+          </a:p>
+          <a:p>
+            <a:pPr indent="-228600">
+              <a:buFont typeface="Arial" panose="020B0604020202020204" pitchFamily="34" charset="0"/>
+              <a:buChar char="•"/>
+            </a:pPr>
+            <a:endParaRPr lang="en-US" sz="2000"/>
+          </a:p>
+          <a:p>
+            <a:pPr indent="-228600">
+              <a:buFont typeface="Arial" panose="020B0604020202020204" pitchFamily="34" charset="0"/>
+              <a:buChar char="•"/>
+            </a:pPr>
+            <a:endParaRPr lang="en-US" sz="2000"/>
           </a:p>
         </p:txBody>
       </p:sp>
       <p:pic>
         <p:nvPicPr>
-          <p:cNvPr id="4" name="Picture 3">
+          <p:cNvPr id="5" name="Picture 4">
             <a:extLst>
               <a:ext uri="{FF2B5EF4-FFF2-40B4-BE49-F238E27FC236}">
-                <a16:creationId xmlns:a16="http://schemas.microsoft.com/office/drawing/2014/main" id="{560A651C-89B7-869A-4A66-12CCA5D488B1}"/>
+                <a16:creationId xmlns:a16="http://schemas.microsoft.com/office/drawing/2014/main" id="{4878D462-045E-856C-F0B8-70A8B3B46132}"/>
               </a:ext>
             </a:extLst>
           </p:cNvPr>
@@ -7662,194 +7715,14 @@
         </p:blipFill>
         <p:spPr>
           <a:xfrm>
-            <a:off x="4008082" y="3914040"/>
-            <a:ext cx="7652105" cy="978635"/>
+            <a:off x="1050452" y="2421924"/>
+            <a:ext cx="4742677" cy="3711146"/>
           </a:xfrm>
-          <a:custGeom>
+          <a:prstGeom prst="rect">
             <a:avLst/>
-            <a:gdLst/>
-            <a:ahLst/>
-            <a:cxnLst/>
-            <a:rect l="l" t="t" r="r" b="b"/>
-            <a:pathLst>
-              <a:path w="4555700" h="2733294">
-                <a:moveTo>
-                  <a:pt x="82217" y="0"/>
-                </a:moveTo>
-                <a:lnTo>
-                  <a:pt x="4473483" y="0"/>
-                </a:lnTo>
-                <a:cubicBezTo>
-                  <a:pt x="4518890" y="0"/>
-                  <a:pt x="4555700" y="36810"/>
-                  <a:pt x="4555700" y="82217"/>
-                </a:cubicBezTo>
-                <a:lnTo>
-                  <a:pt x="4555700" y="2651077"/>
-                </a:lnTo>
-                <a:cubicBezTo>
-                  <a:pt x="4555700" y="2696484"/>
-                  <a:pt x="4518890" y="2733294"/>
-                  <a:pt x="4473483" y="2733294"/>
-                </a:cubicBezTo>
-                <a:lnTo>
-                  <a:pt x="82217" y="2733294"/>
-                </a:lnTo>
-                <a:cubicBezTo>
-                  <a:pt x="36810" y="2733294"/>
-                  <a:pt x="0" y="2696484"/>
-                  <a:pt x="0" y="2651077"/>
-                </a:cubicBezTo>
-                <a:lnTo>
-                  <a:pt x="0" y="82217"/>
-                </a:lnTo>
-                <a:cubicBezTo>
-                  <a:pt x="0" y="36810"/>
-                  <a:pt x="36810" y="0"/>
-                  <a:pt x="82217" y="0"/>
-                </a:cubicBezTo>
-                <a:close/>
-              </a:path>
-            </a:pathLst>
-          </a:custGeom>
+          </a:prstGeom>
         </p:spPr>
       </p:pic>
-      <p:sp>
-        <p:nvSpPr>
-          <p:cNvPr id="31" name="Freeform: Shape 30">
-            <a:extLst>
-              <a:ext uri="{FF2B5EF4-FFF2-40B4-BE49-F238E27FC236}">
-                <a16:creationId xmlns:a16="http://schemas.microsoft.com/office/drawing/2014/main" id="{7D42D292-4C48-479B-9E59-E29CD9871C0C}"/>
-              </a:ext>
-              <a:ext uri="{C183D7F6-B498-43B3-948B-1728B52AA6E4}">
-                <adec:decorative xmlns:adec="http://schemas.microsoft.com/office/drawing/2017/decorative" val="1"/>
-              </a:ext>
-            </a:extLst>
-          </p:cNvPr>
-          <p:cNvSpPr>
-            <a:spLocks noGrp="1" noRot="1" noChangeAspect="1" noMove="1" noResize="1" noEditPoints="1" noAdjustHandles="1" noChangeArrowheads="1" noChangeShapeType="1" noTextEdit="1"/>
-          </p:cNvSpPr>
-          <p:nvPr>
-            <p:extLst>
-              <p:ext uri="{386F3935-93C4-4BCD-93E2-E3B085C9AB24}">
-                <p16:designElem xmlns:p16="http://schemas.microsoft.com/office/powerpoint/2015/main" val="1"/>
-              </p:ext>
-            </p:extLst>
-          </p:nvPr>
-        </p:nvSpPr>
-        <p:spPr>
-          <a:xfrm flipH="1">
-            <a:off x="0" y="5486400"/>
-            <a:ext cx="2672863" cy="1371600"/>
-          </a:xfrm>
-          <a:custGeom>
-            <a:avLst/>
-            <a:gdLst>
-              <a:gd name="connsiteX0" fmla="*/ 1721734 w 2672863"/>
-              <a:gd name="connsiteY0" fmla="*/ 0 h 1371600"/>
-              <a:gd name="connsiteX1" fmla="*/ 2564444 w 2672863"/>
-              <a:gd name="connsiteY1" fmla="*/ 213382 h 1371600"/>
-              <a:gd name="connsiteX2" fmla="*/ 2672863 w 2672863"/>
-              <a:gd name="connsiteY2" fmla="*/ 279248 h 1371600"/>
-              <a:gd name="connsiteX3" fmla="*/ 2672863 w 2672863"/>
-              <a:gd name="connsiteY3" fmla="*/ 1371600 h 1371600"/>
-              <a:gd name="connsiteX4" fmla="*/ 0 w 2672863"/>
-              <a:gd name="connsiteY4" fmla="*/ 1371600 h 1371600"/>
-              <a:gd name="connsiteX5" fmla="*/ 33268 w 2672863"/>
-              <a:gd name="connsiteY5" fmla="*/ 1242216 h 1371600"/>
-              <a:gd name="connsiteX6" fmla="*/ 1721734 w 2672863"/>
-              <a:gd name="connsiteY6" fmla="*/ 0 h 1371600"/>
-            </a:gdLst>
-            <a:ahLst/>
-            <a:cxnLst>
-              <a:cxn ang="0">
-                <a:pos x="connsiteX0" y="connsiteY0"/>
-              </a:cxn>
-              <a:cxn ang="0">
-                <a:pos x="connsiteX1" y="connsiteY1"/>
-              </a:cxn>
-              <a:cxn ang="0">
-                <a:pos x="connsiteX2" y="connsiteY2"/>
-              </a:cxn>
-              <a:cxn ang="0">
-                <a:pos x="connsiteX3" y="connsiteY3"/>
-              </a:cxn>
-              <a:cxn ang="0">
-                <a:pos x="connsiteX4" y="connsiteY4"/>
-              </a:cxn>
-              <a:cxn ang="0">
-                <a:pos x="connsiteX5" y="connsiteY5"/>
-              </a:cxn>
-              <a:cxn ang="0">
-                <a:pos x="connsiteX6" y="connsiteY6"/>
-              </a:cxn>
-            </a:cxnLst>
-            <a:rect l="l" t="t" r="r" b="b"/>
-            <a:pathLst>
-              <a:path w="2672863" h="1371600">
-                <a:moveTo>
-                  <a:pt x="1721734" y="0"/>
-                </a:moveTo>
-                <a:cubicBezTo>
-                  <a:pt x="2026863" y="0"/>
-                  <a:pt x="2313937" y="77299"/>
-                  <a:pt x="2564444" y="213382"/>
-                </a:cubicBezTo>
-                <a:lnTo>
-                  <a:pt x="2672863" y="279248"/>
-                </a:lnTo>
-                <a:lnTo>
-                  <a:pt x="2672863" y="1371600"/>
-                </a:lnTo>
-                <a:lnTo>
-                  <a:pt x="0" y="1371600"/>
-                </a:lnTo>
-                <a:lnTo>
-                  <a:pt x="33268" y="1242216"/>
-                </a:lnTo>
-                <a:cubicBezTo>
-                  <a:pt x="257110" y="522539"/>
-                  <a:pt x="928399" y="0"/>
-                  <a:pt x="1721734" y="0"/>
-                </a:cubicBezTo>
-                <a:close/>
-              </a:path>
-            </a:pathLst>
-          </a:custGeom>
-          <a:solidFill>
-            <a:schemeClr val="accent4"/>
-          </a:solidFill>
-          <a:ln>
-            <a:noFill/>
-          </a:ln>
-        </p:spPr>
-        <p:style>
-          <a:lnRef idx="2">
-            <a:schemeClr val="accent1">
-              <a:shade val="50000"/>
-            </a:schemeClr>
-          </a:lnRef>
-          <a:fillRef idx="1">
-            <a:schemeClr val="accent1"/>
-          </a:fillRef>
-          <a:effectRef idx="0">
-            <a:schemeClr val="accent1"/>
-          </a:effectRef>
-          <a:fontRef idx="minor">
-            <a:schemeClr val="lt1"/>
-          </a:fontRef>
-        </p:style>
-        <p:txBody>
-          <a:bodyPr wrap="square" rtlCol="0" anchor="ctr">
-            <a:noAutofit/>
-          </a:bodyPr>
-          <a:lstStyle/>
-          <a:p>
-            <a:pPr algn="ctr"/>
-            <a:endParaRPr lang="en-US"/>
-          </a:p>
-        </p:txBody>
-      </p:sp>
       <p:pic>
         <p:nvPicPr>
           <p:cNvPr id="9" name="Picture 8">
@@ -7871,175 +7744,14 @@
         </p:blipFill>
         <p:spPr>
           <a:xfrm>
-            <a:off x="698353" y="3526029"/>
-            <a:ext cx="2429570" cy="2733293"/>
+            <a:off x="7132604" y="2421924"/>
+            <a:ext cx="3298764" cy="3711146"/>
           </a:xfrm>
-          <a:custGeom>
+          <a:prstGeom prst="rect">
             <a:avLst/>
-            <a:gdLst/>
-            <a:ahLst/>
-            <a:cxnLst/>
-            <a:rect l="l" t="t" r="r" b="b"/>
-            <a:pathLst>
-              <a:path w="4438338" h="2323972">
-                <a:moveTo>
-                  <a:pt x="69905" y="0"/>
-                </a:moveTo>
-                <a:lnTo>
-                  <a:pt x="4368433" y="0"/>
-                </a:lnTo>
-                <a:cubicBezTo>
-                  <a:pt x="4407040" y="0"/>
-                  <a:pt x="4438338" y="31298"/>
-                  <a:pt x="4438338" y="69905"/>
-                </a:cubicBezTo>
-                <a:lnTo>
-                  <a:pt x="4438338" y="2254067"/>
-                </a:lnTo>
-                <a:cubicBezTo>
-                  <a:pt x="4438338" y="2292674"/>
-                  <a:pt x="4407040" y="2323972"/>
-                  <a:pt x="4368433" y="2323972"/>
-                </a:cubicBezTo>
-                <a:lnTo>
-                  <a:pt x="69905" y="2323972"/>
-                </a:lnTo>
-                <a:cubicBezTo>
-                  <a:pt x="31298" y="2323972"/>
-                  <a:pt x="0" y="2292674"/>
-                  <a:pt x="0" y="2254067"/>
-                </a:cubicBezTo>
-                <a:lnTo>
-                  <a:pt x="0" y="69905"/>
-                </a:lnTo>
-                <a:cubicBezTo>
-                  <a:pt x="0" y="31298"/>
-                  <a:pt x="31298" y="0"/>
-                  <a:pt x="69905" y="0"/>
-                </a:cubicBezTo>
-                <a:close/>
-              </a:path>
-            </a:pathLst>
-          </a:custGeom>
+          </a:prstGeom>
         </p:spPr>
       </p:pic>
-      <p:sp>
-        <p:nvSpPr>
-          <p:cNvPr id="7" name="Text Placeholder 6">
-            <a:extLst>
-              <a:ext uri="{FF2B5EF4-FFF2-40B4-BE49-F238E27FC236}">
-                <a16:creationId xmlns:a16="http://schemas.microsoft.com/office/drawing/2014/main" id="{FADDAB32-E602-42AB-85E5-81A683738955}"/>
-              </a:ext>
-            </a:extLst>
-          </p:cNvPr>
-          <p:cNvSpPr>
-            <a:spLocks noGrp="1"/>
-          </p:cNvSpPr>
-          <p:nvPr>
-            <p:ph type="body" sz="half" idx="2"/>
-          </p:nvPr>
-        </p:nvSpPr>
-        <p:spPr>
-          <a:xfrm>
-            <a:off x="6151294" y="1946684"/>
-            <a:ext cx="5397237" cy="4351338"/>
-          </a:xfrm>
-        </p:spPr>
-        <p:txBody>
-          <a:bodyPr vert="horz" lIns="91440" tIns="45720" rIns="91440" bIns="45720" rtlCol="0">
-            <a:normAutofit/>
-          </a:bodyPr>
-          <a:lstStyle/>
-          <a:p>
-            <a:pPr indent="-228600">
-              <a:buFont typeface="Arial" panose="020B0604020202020204" pitchFamily="34" charset="0"/>
-              <a:buChar char="•"/>
-            </a:pPr>
-            <a:r>
-              <a:rPr lang="en-US"/>
-              <a:t>Paste a screen shot of your GUI working</a:t>
-            </a:r>
-          </a:p>
-          <a:p>
-            <a:pPr indent="-228600">
-              <a:buFont typeface="Arial" panose="020B0604020202020204" pitchFamily="34" charset="0"/>
-              <a:buChar char="•"/>
-            </a:pPr>
-            <a:endParaRPr lang="en-US"/>
-          </a:p>
-          <a:p>
-            <a:pPr indent="-228600">
-              <a:buFont typeface="Arial" panose="020B0604020202020204" pitchFamily="34" charset="0"/>
-              <a:buChar char="•"/>
-            </a:pPr>
-            <a:endParaRPr lang="en-US"/>
-          </a:p>
-        </p:txBody>
-      </p:sp>
-      <p:sp>
-        <p:nvSpPr>
-          <p:cNvPr id="33" name="Arc 32">
-            <a:extLst>
-              <a:ext uri="{FF2B5EF4-FFF2-40B4-BE49-F238E27FC236}">
-                <a16:creationId xmlns:a16="http://schemas.microsoft.com/office/drawing/2014/main" id="{533DF362-939D-4EEE-8DC4-6B54607E5611}"/>
-              </a:ext>
-              <a:ext uri="{C183D7F6-B498-43B3-948B-1728B52AA6E4}">
-                <adec:decorative xmlns:adec="http://schemas.microsoft.com/office/drawing/2017/decorative" val="1"/>
-              </a:ext>
-            </a:extLst>
-          </p:cNvPr>
-          <p:cNvSpPr>
-            <a:spLocks noGrp="1" noRot="1" noChangeAspect="1" noMove="1" noResize="1" noEditPoints="1" noAdjustHandles="1" noChangeArrowheads="1" noChangeShapeType="1" noTextEdit="1"/>
-          </p:cNvSpPr>
-          <p:nvPr>
-            <p:extLst>
-              <p:ext uri="{386F3935-93C4-4BCD-93E2-E3B085C9AB24}">
-                <p16:designElem xmlns:p16="http://schemas.microsoft.com/office/powerpoint/2015/main" val="1"/>
-              </p:ext>
-            </p:extLst>
-          </p:nvPr>
-        </p:nvSpPr>
-        <p:spPr>
-          <a:xfrm rot="1095198">
-            <a:off x="1539683" y="162676"/>
-            <a:ext cx="4083433" cy="4083433"/>
-          </a:xfrm>
-          <a:prstGeom prst="arc">
-            <a:avLst>
-              <a:gd name="adj1" fmla="val 17445962"/>
-              <a:gd name="adj2" fmla="val 0"/>
-            </a:avLst>
-          </a:prstGeom>
-          <a:ln w="127000" cap="rnd">
-            <a:solidFill>
-              <a:schemeClr val="accent4"/>
-            </a:solidFill>
-            <a:prstDash val="dash"/>
-          </a:ln>
-        </p:spPr>
-        <p:style>
-          <a:lnRef idx="1">
-            <a:schemeClr val="accent1"/>
-          </a:lnRef>
-          <a:fillRef idx="0">
-            <a:schemeClr val="accent1"/>
-          </a:fillRef>
-          <a:effectRef idx="0">
-            <a:schemeClr val="accent1"/>
-          </a:effectRef>
-          <a:fontRef idx="minor">
-            <a:schemeClr val="tx1"/>
-          </a:fontRef>
-        </p:style>
-        <p:txBody>
-          <a:bodyPr rtlCol="0" anchor="ctr"/>
-          <a:lstStyle/>
-          <a:p>
-            <a:pPr algn="ctr"/>
-            <a:endParaRPr lang="en-US" dirty="0"/>
-          </a:p>
-        </p:txBody>
-      </p:sp>
     </p:spTree>
     <p:extLst>
       <p:ext uri="{BB962C8B-B14F-4D97-AF65-F5344CB8AC3E}">
@@ -8458,10 +8170,10 @@
       </p:sp>
       <p:pic>
         <p:nvPicPr>
-          <p:cNvPr id="4" name="Picture 3">
+          <p:cNvPr id="5" name="Picture 4">
             <a:extLst>
               <a:ext uri="{FF2B5EF4-FFF2-40B4-BE49-F238E27FC236}">
-                <a16:creationId xmlns:a16="http://schemas.microsoft.com/office/drawing/2014/main" id="{296E095E-E889-ACBE-A3B3-56748EE5DDA8}"/>
+                <a16:creationId xmlns:a16="http://schemas.microsoft.com/office/drawing/2014/main" id="{3DB89C7F-70D9-88BF-0E95-C1192CC6A0B7}"/>
               </a:ext>
             </a:extLst>
           </p:cNvPr>
@@ -8478,8 +8190,8 @@
         </p:blipFill>
         <p:spPr>
           <a:xfrm>
-            <a:off x="630936" y="2319032"/>
-            <a:ext cx="10917936" cy="3903160"/>
+            <a:off x="5494749" y="1408386"/>
+            <a:ext cx="5927866" cy="5044465"/>
           </a:xfrm>
           <a:prstGeom prst="rect">
             <a:avLst/>
@@ -8770,8 +8482,8 @@
         </p:nvSpPr>
         <p:spPr>
           <a:xfrm>
-            <a:off x="793661" y="2599509"/>
-            <a:ext cx="4530898" cy="3639450"/>
+            <a:off x="496919" y="2203080"/>
+            <a:ext cx="3551307" cy="890932"/>
           </a:xfrm>
         </p:spPr>
         <p:txBody>
@@ -8785,7 +8497,7 @@
               <a:buChar char="•"/>
             </a:pPr>
             <a:r>
-              <a:rPr lang="en-US" sz="2000"/>
+              <a:rPr lang="en-US" sz="2000" dirty="0"/>
               <a:t>Paste a screen shot of your Report tab</a:t>
             </a:r>
           </a:p>
@@ -8794,46 +8506,17 @@
               <a:buFont typeface="Arial" panose="020B0604020202020204" pitchFamily="34" charset="0"/>
               <a:buChar char="•"/>
             </a:pPr>
-            <a:endParaRPr lang="en-US" sz="2000"/>
+            <a:endParaRPr lang="en-US" sz="2000" dirty="0"/>
           </a:p>
           <a:p>
             <a:pPr indent="-228600">
               <a:buFont typeface="Arial" panose="020B0604020202020204" pitchFamily="34" charset="0"/>
               <a:buChar char="•"/>
             </a:pPr>
-            <a:endParaRPr lang="en-US" sz="2000"/>
+            <a:endParaRPr lang="en-US" sz="2000" dirty="0"/>
           </a:p>
         </p:txBody>
       </p:sp>
-      <p:pic>
-        <p:nvPicPr>
-          <p:cNvPr id="8" name="Picture 7">
-            <a:extLst>
-              <a:ext uri="{FF2B5EF4-FFF2-40B4-BE49-F238E27FC236}">
-                <a16:creationId xmlns:a16="http://schemas.microsoft.com/office/drawing/2014/main" id="{291C71C9-4AED-ABC2-00BE-D2EB33A07F66}"/>
-              </a:ext>
-            </a:extLst>
-          </p:cNvPr>
-          <p:cNvPicPr>
-            <a:picLocks noChangeAspect="1"/>
-          </p:cNvPicPr>
-          <p:nvPr/>
-        </p:nvPicPr>
-        <p:blipFill>
-          <a:blip r:embed="rId2"/>
-          <a:srcRect t="14355" r="-2" b="8424"/>
-          <a:stretch/>
-        </p:blipFill>
-        <p:spPr>
-          <a:xfrm>
-            <a:off x="5911532" y="2484255"/>
-            <a:ext cx="5150277" cy="3714244"/>
-          </a:xfrm>
-          <a:prstGeom prst="rect">
-            <a:avLst/>
-          </a:prstGeom>
-        </p:spPr>
-      </p:pic>
       <p:sp>
         <p:nvSpPr>
           <p:cNvPr id="30" name="Rectangle 29">
@@ -8897,6 +8580,66 @@
           </a:p>
         </p:txBody>
       </p:sp>
+      <p:pic>
+        <p:nvPicPr>
+          <p:cNvPr id="4" name="Picture 3">
+            <a:extLst>
+              <a:ext uri="{FF2B5EF4-FFF2-40B4-BE49-F238E27FC236}">
+                <a16:creationId xmlns:a16="http://schemas.microsoft.com/office/drawing/2014/main" id="{60F6351E-A0F1-0920-026A-D28662FE1EFF}"/>
+              </a:ext>
+            </a:extLst>
+          </p:cNvPr>
+          <p:cNvPicPr>
+            <a:picLocks noChangeAspect="1"/>
+          </p:cNvPicPr>
+          <p:nvPr/>
+        </p:nvPicPr>
+        <p:blipFill>
+          <a:blip r:embed="rId2"/>
+          <a:stretch>
+            <a:fillRect/>
+          </a:stretch>
+        </p:blipFill>
+        <p:spPr>
+          <a:xfrm>
+            <a:off x="288235" y="3291042"/>
+            <a:ext cx="4435208" cy="3011816"/>
+          </a:xfrm>
+          <a:prstGeom prst="rect">
+            <a:avLst/>
+          </a:prstGeom>
+        </p:spPr>
+      </p:pic>
+      <p:pic>
+        <p:nvPicPr>
+          <p:cNvPr id="6" name="Picture 5">
+            <a:extLst>
+              <a:ext uri="{FF2B5EF4-FFF2-40B4-BE49-F238E27FC236}">
+                <a16:creationId xmlns:a16="http://schemas.microsoft.com/office/drawing/2014/main" id="{23A1F85A-8122-CB36-B579-AF17ACB66930}"/>
+              </a:ext>
+            </a:extLst>
+          </p:cNvPr>
+          <p:cNvPicPr>
+            <a:picLocks noChangeAspect="1"/>
+          </p:cNvPicPr>
+          <p:nvPr/>
+        </p:nvPicPr>
+        <p:blipFill>
+          <a:blip r:embed="rId3"/>
+          <a:stretch>
+            <a:fillRect/>
+          </a:stretch>
+        </p:blipFill>
+        <p:spPr>
+          <a:xfrm>
+            <a:off x="6400800" y="2369882"/>
+            <a:ext cx="4051161" cy="4016297"/>
+          </a:xfrm>
+          <a:prstGeom prst="rect">
+            <a:avLst/>
+          </a:prstGeom>
+        </p:spPr>
+      </p:pic>
     </p:spTree>
     <p:extLst>
       <p:ext uri="{BB962C8B-B14F-4D97-AF65-F5344CB8AC3E}">
@@ -9215,6 +8958,14 @@
 </file>
 
 <file path=customXml/item2.xml><?xml version="1.0" encoding="utf-8"?>
+<p:properties xmlns:p="http://schemas.microsoft.com/office/2006/metadata/properties" xmlns:xsi="http://www.w3.org/2001/XMLSchema-instance" xmlns:pc="http://schemas.microsoft.com/office/infopath/2007/PartnerControls">
+  <documentManagement>
+    <Comments xmlns="b8820432-3450-4e09-b17f-565094e588be" xsi:nil="true"/>
+  </documentManagement>
+</p:properties>
+</file>
+
+<file path=customXml/item3.xml><?xml version="1.0" encoding="utf-8"?>
 <ct:contentTypeSchema xmlns:ct="http://schemas.microsoft.com/office/2006/metadata/contentType" xmlns:ma="http://schemas.microsoft.com/office/2006/metadata/properties/metaAttributes" ct:_="" ma:_="" ma:contentTypeName="Document" ma:contentTypeID="0x0101006B0F883F57245246A7747A9329048B46" ma:contentTypeVersion="13" ma:contentTypeDescription="Create a new document." ma:contentTypeScope="" ma:versionID="405fbacda404f3661f41405c2d23432b">
   <xsd:schema xmlns:xsd="http://www.w3.org/2001/XMLSchema" xmlns:xs="http://www.w3.org/2001/XMLSchema" xmlns:p="http://schemas.microsoft.com/office/2006/metadata/properties" xmlns:ns2="b8820432-3450-4e09-b17f-565094e588be" xmlns:ns3="b7b956fb-0613-46b7-a92d-14c47de7bd00" targetNamespace="http://schemas.microsoft.com/office/2006/metadata/properties" ma:root="true" ma:fieldsID="6eb31255b3e73debb3c9a025dfec9584" ns2:_="" ns3:_="">
     <xsd:import namespace="b8820432-3450-4e09-b17f-565094e588be"/>
@@ -9425,14 +9176,6 @@
 </ct:contentTypeSchema>
 </file>
 
-<file path=customXml/item3.xml><?xml version="1.0" encoding="utf-8"?>
-<p:properties xmlns:p="http://schemas.microsoft.com/office/2006/metadata/properties" xmlns:xsi="http://www.w3.org/2001/XMLSchema-instance" xmlns:pc="http://schemas.microsoft.com/office/infopath/2007/PartnerControls">
-  <documentManagement>
-    <Comments xmlns="b8820432-3450-4e09-b17f-565094e588be" xsi:nil="true"/>
-  </documentManagement>
-</p:properties>
-</file>
-
 <file path=customXml/itemProps1.xml><?xml version="1.0" encoding="utf-8"?>
 <ds:datastoreItem xmlns:ds="http://schemas.openxmlformats.org/officeDocument/2006/customXml" ds:itemID="{62E3689F-96FA-4532-A7DB-ECD3C1BEB3B3}">
   <ds:schemaRefs>
@@ -9442,6 +9185,16 @@
 </file>
 
 <file path=customXml/itemProps2.xml><?xml version="1.0" encoding="utf-8"?>
+<ds:datastoreItem xmlns:ds="http://schemas.openxmlformats.org/officeDocument/2006/customXml" ds:itemID="{373F9C2E-A8DE-4D79-8CF7-43F2381B038E}">
+  <ds:schemaRefs>
+    <ds:schemaRef ds:uri="http://schemas.microsoft.com/office/2006/metadata/properties"/>
+    <ds:schemaRef ds:uri="http://schemas.microsoft.com/office/infopath/2007/PartnerControls"/>
+    <ds:schemaRef ds:uri="b8820432-3450-4e09-b17f-565094e588be"/>
+  </ds:schemaRefs>
+</ds:datastoreItem>
+</file>
+
+<file path=customXml/itemProps3.xml><?xml version="1.0" encoding="utf-8"?>
 <ds:datastoreItem xmlns:ds="http://schemas.openxmlformats.org/officeDocument/2006/customXml" ds:itemID="{2425C325-6500-4084-917F-33C7F612C34B}">
   <ds:schemaRefs>
     <ds:schemaRef ds:uri="http://schemas.microsoft.com/office/2006/metadata/contentType"/>
@@ -9458,14 +9211,4 @@
     <ds:schemaRef ds:uri="http://schemas.microsoft.com/internal/obd"/>
   </ds:schemaRefs>
 </ds:datastoreItem>
-</file>
-
-<file path=customXml/itemProps3.xml><?xml version="1.0" encoding="utf-8"?>
-<ds:datastoreItem xmlns:ds="http://schemas.openxmlformats.org/officeDocument/2006/customXml" ds:itemID="{373F9C2E-A8DE-4D79-8CF7-43F2381B038E}">
-  <ds:schemaRefs>
-    <ds:schemaRef ds:uri="http://schemas.microsoft.com/office/2006/metadata/properties"/>
-    <ds:schemaRef ds:uri="http://schemas.microsoft.com/office/infopath/2007/PartnerControls"/>
-    <ds:schemaRef ds:uri="b8820432-3450-4e09-b17f-565094e588be"/>
-  </ds:schemaRefs>
-</ds:datastoreItem>
 </file>